--- a/AI_02_Classification.pptx
+++ b/AI_02_Classification.pptx
@@ -6,19 +6,20 @@
   </p:sldMasterIdLst>
   <p:sldIdLst>
     <p:sldId id="289" r:id="rId2"/>
-    <p:sldId id="307" r:id="rId3"/>
-    <p:sldId id="347" r:id="rId4"/>
-    <p:sldId id="350" r:id="rId5"/>
-    <p:sldId id="348" r:id="rId6"/>
-    <p:sldId id="308" r:id="rId7"/>
-    <p:sldId id="349" r:id="rId8"/>
-    <p:sldId id="258" r:id="rId9"/>
-    <p:sldId id="268" r:id="rId10"/>
-    <p:sldId id="269" r:id="rId11"/>
-    <p:sldId id="270" r:id="rId12"/>
-    <p:sldId id="346" r:id="rId13"/>
-    <p:sldId id="295" r:id="rId14"/>
-    <p:sldId id="272" r:id="rId15"/>
+    <p:sldId id="356" r:id="rId3"/>
+    <p:sldId id="307" r:id="rId4"/>
+    <p:sldId id="347" r:id="rId5"/>
+    <p:sldId id="350" r:id="rId6"/>
+    <p:sldId id="348" r:id="rId7"/>
+    <p:sldId id="308" r:id="rId8"/>
+    <p:sldId id="349" r:id="rId9"/>
+    <p:sldId id="258" r:id="rId10"/>
+    <p:sldId id="268" r:id="rId11"/>
+    <p:sldId id="269" r:id="rId12"/>
+    <p:sldId id="270" r:id="rId13"/>
+    <p:sldId id="346" r:id="rId14"/>
+    <p:sldId id="295" r:id="rId15"/>
+    <p:sldId id="272" r:id="rId16"/>
   </p:sldIdLst>
   <p:sldSz cx="12192000" cy="6858000"/>
   <p:notesSz cx="6858000" cy="9144000"/>
@@ -117,6 +118,11 @@
       </a:defRPr>
     </a:lvl9pPr>
   </p:defaultTextStyle>
+  <p:extLst>
+    <p:ext uri="{EFAFB233-063F-42B5-8137-9DF3F51BA10A}">
+      <p15:sldGuideLst xmlns:p15="http://schemas.microsoft.com/office/powerpoint/2012/main"/>
+    </p:ext>
+  </p:extLst>
 </p:presentation>
 </file>
 
@@ -267,7 +273,7 @@
           <a:p>
             <a:fld id="{9A291F79-B335-4574-AC21-FAA5AF98A111}" type="datetimeFigureOut">
               <a:rPr lang="ko-KR" altLang="en-US" smtClean="0"/>
-              <a:t>2023-07-15</a:t>
+              <a:t>2023-07-20</a:t>
             </a:fld>
             <a:endParaRPr lang="ko-KR" altLang="en-US"/>
           </a:p>
@@ -465,7 +471,7 @@
           <a:p>
             <a:fld id="{9A291F79-B335-4574-AC21-FAA5AF98A111}" type="datetimeFigureOut">
               <a:rPr lang="ko-KR" altLang="en-US" smtClean="0"/>
-              <a:t>2023-07-15</a:t>
+              <a:t>2023-07-20</a:t>
             </a:fld>
             <a:endParaRPr lang="ko-KR" altLang="en-US"/>
           </a:p>
@@ -673,7 +679,7 @@
           <a:p>
             <a:fld id="{9A291F79-B335-4574-AC21-FAA5AF98A111}" type="datetimeFigureOut">
               <a:rPr lang="ko-KR" altLang="en-US" smtClean="0"/>
-              <a:t>2023-07-15</a:t>
+              <a:t>2023-07-20</a:t>
             </a:fld>
             <a:endParaRPr lang="ko-KR" altLang="en-US"/>
           </a:p>
@@ -871,7 +877,7 @@
           <a:p>
             <a:fld id="{9A291F79-B335-4574-AC21-FAA5AF98A111}" type="datetimeFigureOut">
               <a:rPr lang="ko-KR" altLang="en-US" smtClean="0"/>
-              <a:t>2023-07-15</a:t>
+              <a:t>2023-07-20</a:t>
             </a:fld>
             <a:endParaRPr lang="ko-KR" altLang="en-US"/>
           </a:p>
@@ -1146,7 +1152,7 @@
           <a:p>
             <a:fld id="{9A291F79-B335-4574-AC21-FAA5AF98A111}" type="datetimeFigureOut">
               <a:rPr lang="ko-KR" altLang="en-US" smtClean="0"/>
-              <a:t>2023-07-15</a:t>
+              <a:t>2023-07-20</a:t>
             </a:fld>
             <a:endParaRPr lang="ko-KR" altLang="en-US"/>
           </a:p>
@@ -1411,7 +1417,7 @@
           <a:p>
             <a:fld id="{9A291F79-B335-4574-AC21-FAA5AF98A111}" type="datetimeFigureOut">
               <a:rPr lang="ko-KR" altLang="en-US" smtClean="0"/>
-              <a:t>2023-07-15</a:t>
+              <a:t>2023-07-20</a:t>
             </a:fld>
             <a:endParaRPr lang="ko-KR" altLang="en-US"/>
           </a:p>
@@ -1823,7 +1829,7 @@
           <a:p>
             <a:fld id="{9A291F79-B335-4574-AC21-FAA5AF98A111}" type="datetimeFigureOut">
               <a:rPr lang="ko-KR" altLang="en-US" smtClean="0"/>
-              <a:t>2023-07-15</a:t>
+              <a:t>2023-07-20</a:t>
             </a:fld>
             <a:endParaRPr lang="ko-KR" altLang="en-US"/>
           </a:p>
@@ -1964,7 +1970,7 @@
           <a:p>
             <a:fld id="{9A291F79-B335-4574-AC21-FAA5AF98A111}" type="datetimeFigureOut">
               <a:rPr lang="ko-KR" altLang="en-US" smtClean="0"/>
-              <a:t>2023-07-15</a:t>
+              <a:t>2023-07-20</a:t>
             </a:fld>
             <a:endParaRPr lang="ko-KR" altLang="en-US"/>
           </a:p>
@@ -2077,7 +2083,7 @@
           <a:p>
             <a:fld id="{9A291F79-B335-4574-AC21-FAA5AF98A111}" type="datetimeFigureOut">
               <a:rPr lang="ko-KR" altLang="en-US" smtClean="0"/>
-              <a:t>2023-07-15</a:t>
+              <a:t>2023-07-20</a:t>
             </a:fld>
             <a:endParaRPr lang="ko-KR" altLang="en-US"/>
           </a:p>
@@ -2388,7 +2394,7 @@
           <a:p>
             <a:fld id="{9A291F79-B335-4574-AC21-FAA5AF98A111}" type="datetimeFigureOut">
               <a:rPr lang="ko-KR" altLang="en-US" smtClean="0"/>
-              <a:t>2023-07-15</a:t>
+              <a:t>2023-07-20</a:t>
             </a:fld>
             <a:endParaRPr lang="ko-KR" altLang="en-US"/>
           </a:p>
@@ -2676,7 +2682,7 @@
           <a:p>
             <a:fld id="{9A291F79-B335-4574-AC21-FAA5AF98A111}" type="datetimeFigureOut">
               <a:rPr lang="ko-KR" altLang="en-US" smtClean="0"/>
-              <a:t>2023-07-15</a:t>
+              <a:t>2023-07-20</a:t>
             </a:fld>
             <a:endParaRPr lang="ko-KR" altLang="en-US"/>
           </a:p>
@@ -2917,7 +2923,7 @@
           <a:p>
             <a:fld id="{9A291F79-B335-4574-AC21-FAA5AF98A111}" type="datetimeFigureOut">
               <a:rPr lang="ko-KR" altLang="en-US" smtClean="0"/>
-              <a:t>2023-07-15</a:t>
+              <a:t>2023-07-20</a:t>
             </a:fld>
             <a:endParaRPr lang="ko-KR" altLang="en-US"/>
           </a:p>
@@ -3731,6 +3737,83 @@
       </p:grpSpPr>
       <p:pic>
         <p:nvPicPr>
+          <p:cNvPr id="5121" name="Picture 1" descr="Key Components of AI_11zon.webp">
+            <a:extLst>
+              <a:ext uri="{FF2B5EF4-FFF2-40B4-BE49-F238E27FC236}">
+                <a16:creationId xmlns:a16="http://schemas.microsoft.com/office/drawing/2014/main" id="{412F265D-654F-4672-B56A-D70E8C55BD7F}"/>
+              </a:ext>
+            </a:extLst>
+          </p:cNvPr>
+          <p:cNvPicPr>
+            <a:picLocks noChangeAspect="1" noChangeArrowheads="1"/>
+          </p:cNvPicPr>
+          <p:nvPr/>
+        </p:nvPicPr>
+        <p:blipFill>
+          <a:blip r:embed="rId2">
+            <a:extLst>
+              <a:ext uri="{28A0092B-C50C-407E-A947-70E740481C1C}">
+                <a14:useLocalDpi xmlns:a14="http://schemas.microsoft.com/office/drawing/2010/main" val="0"/>
+              </a:ext>
+            </a:extLst>
+          </a:blip>
+          <a:srcRect/>
+          <a:stretch>
+            <a:fillRect/>
+          </a:stretch>
+        </p:blipFill>
+        <p:spPr bwMode="auto">
+          <a:xfrm>
+            <a:off x="2781300" y="0"/>
+            <a:ext cx="6629400" cy="6629400"/>
+          </a:xfrm>
+          <a:prstGeom prst="rect">
+            <a:avLst/>
+          </a:prstGeom>
+          <a:noFill/>
+          <a:extLst>
+            <a:ext uri="{909E8E84-426E-40DD-AFC4-6F175D3DCCD1}">
+              <a14:hiddenFill xmlns:a14="http://schemas.microsoft.com/office/drawing/2010/main">
+                <a:solidFill>
+                  <a:srgbClr val="FFFFFF"/>
+                </a:solidFill>
+              </a14:hiddenFill>
+            </a:ext>
+          </a:extLst>
+        </p:spPr>
+      </p:pic>
+    </p:spTree>
+    <p:extLst>
+      <p:ext uri="{BB962C8B-B14F-4D97-AF65-F5344CB8AC3E}">
+        <p14:creationId xmlns:p14="http://schemas.microsoft.com/office/powerpoint/2010/main" val="4041662135"/>
+      </p:ext>
+    </p:extLst>
+  </p:cSld>
+  <p:clrMapOvr>
+    <a:masterClrMapping/>
+  </p:clrMapOvr>
+</p:sld>
+</file>
+
+<file path=ppt/slides/slide11.xml><?xml version="1.0" encoding="utf-8"?>
+<p:sld xmlns:a="http://schemas.openxmlformats.org/drawingml/2006/main" xmlns:r="http://schemas.openxmlformats.org/officeDocument/2006/relationships" xmlns:p="http://schemas.openxmlformats.org/presentationml/2006/main">
+  <p:cSld>
+    <p:spTree>
+      <p:nvGrpSpPr>
+        <p:cNvPr id="1" name=""/>
+        <p:cNvGrpSpPr/>
+        <p:nvPr/>
+      </p:nvGrpSpPr>
+      <p:grpSpPr>
+        <a:xfrm>
+          <a:off x="0" y="0"/>
+          <a:ext cx="0" cy="0"/>
+          <a:chOff x="0" y="0"/>
+          <a:chExt cx="0" cy="0"/>
+        </a:xfrm>
+      </p:grpSpPr>
+      <p:pic>
+        <p:nvPicPr>
           <p:cNvPr id="6145" name="Picture 1" descr="Simplifying the Difference: Machine Learning vs Deep Learning - Singapore  Computer Society">
             <a:extLst>
               <a:ext uri="{FF2B5EF4-FFF2-40B4-BE49-F238E27FC236}">
@@ -3791,7 +3874,7 @@
 </p:sld>
 </file>
 
-<file path=ppt/slides/slide11.xml><?xml version="1.0" encoding="utf-8"?>
+<file path=ppt/slides/slide12.xml><?xml version="1.0" encoding="utf-8"?>
 <p:sld xmlns:a="http://schemas.openxmlformats.org/drawingml/2006/main" xmlns:r="http://schemas.openxmlformats.org/officeDocument/2006/relationships" xmlns:p="http://schemas.openxmlformats.org/presentationml/2006/main">
   <p:cSld>
     <p:spTree>
@@ -3870,7 +3953,7 @@
 </p:sld>
 </file>
 
-<file path=ppt/slides/slide12.xml><?xml version="1.0" encoding="utf-8"?>
+<file path=ppt/slides/slide13.xml><?xml version="1.0" encoding="utf-8"?>
 <p:sld xmlns:a="http://schemas.openxmlformats.org/drawingml/2006/main" xmlns:r="http://schemas.openxmlformats.org/officeDocument/2006/relationships" xmlns:p="http://schemas.openxmlformats.org/presentationml/2006/main">
   <p:cSld>
     <p:spTree>
@@ -3947,7 +4030,7 @@
 </p:sld>
 </file>
 
-<file path=ppt/slides/slide13.xml><?xml version="1.0" encoding="utf-8"?>
+<file path=ppt/slides/slide14.xml><?xml version="1.0" encoding="utf-8"?>
 <p:sld xmlns:a="http://schemas.openxmlformats.org/drawingml/2006/main" xmlns:r="http://schemas.openxmlformats.org/officeDocument/2006/relationships" xmlns:p="http://schemas.openxmlformats.org/presentationml/2006/main">
   <p:cSld>
     <p:spTree>
@@ -4334,7 +4417,7 @@
 </p:sld>
 </file>
 
-<file path=ppt/slides/slide14.xml><?xml version="1.0" encoding="utf-8"?>
+<file path=ppt/slides/slide15.xml><?xml version="1.0" encoding="utf-8"?>
 <p:sld xmlns:a="http://schemas.openxmlformats.org/drawingml/2006/main" xmlns:r="http://schemas.openxmlformats.org/officeDocument/2006/relationships" xmlns:p="http://schemas.openxmlformats.org/presentationml/2006/main">
   <p:cSld>
     <p:spTree>
@@ -4432,6 +4515,1500 @@
       </p:grpSpPr>
       <p:sp>
         <p:nvSpPr>
+          <p:cNvPr id="4" name="직사각형 3">
+            <a:extLst>
+              <a:ext uri="{FF2B5EF4-FFF2-40B4-BE49-F238E27FC236}">
+                <a16:creationId xmlns:a16="http://schemas.microsoft.com/office/drawing/2014/main" id="{03369733-1D7A-413E-ACA1-18D6B4C2A308}"/>
+              </a:ext>
+            </a:extLst>
+          </p:cNvPr>
+          <p:cNvSpPr/>
+          <p:nvPr/>
+        </p:nvSpPr>
+        <p:spPr>
+          <a:xfrm>
+            <a:off x="3102220" y="1138601"/>
+            <a:ext cx="1776046" cy="465993"/>
+          </a:xfrm>
+          <a:prstGeom prst="rect">
+            <a:avLst/>
+          </a:prstGeom>
+        </p:spPr>
+        <p:style>
+          <a:lnRef idx="2">
+            <a:schemeClr val="accent1">
+              <a:shade val="50000"/>
+            </a:schemeClr>
+          </a:lnRef>
+          <a:fillRef idx="1">
+            <a:schemeClr val="accent1"/>
+          </a:fillRef>
+          <a:effectRef idx="0">
+            <a:schemeClr val="accent1"/>
+          </a:effectRef>
+          <a:fontRef idx="minor">
+            <a:schemeClr val="lt1"/>
+          </a:fontRef>
+        </p:style>
+        <p:txBody>
+          <a:bodyPr rtlCol="0" anchor="ctr"/>
+          <a:lstStyle/>
+          <a:p>
+            <a:pPr algn="ctr"/>
+            <a:r>
+              <a:rPr lang="en-US" altLang="ko-KR" dirty="0"/>
+              <a:t>DeepMind</a:t>
+            </a:r>
+            <a:endParaRPr lang="ko-KR" altLang="en-US" dirty="0"/>
+          </a:p>
+        </p:txBody>
+      </p:sp>
+      <p:sp>
+        <p:nvSpPr>
+          <p:cNvPr id="5" name="직사각형 4">
+            <a:extLst>
+              <a:ext uri="{FF2B5EF4-FFF2-40B4-BE49-F238E27FC236}">
+                <a16:creationId xmlns:a16="http://schemas.microsoft.com/office/drawing/2014/main" id="{245D836C-C39E-4F72-B375-9C83FAF66733}"/>
+              </a:ext>
+            </a:extLst>
+          </p:cNvPr>
+          <p:cNvSpPr/>
+          <p:nvPr/>
+        </p:nvSpPr>
+        <p:spPr>
+          <a:xfrm>
+            <a:off x="6048061" y="3550607"/>
+            <a:ext cx="1776046" cy="465993"/>
+          </a:xfrm>
+          <a:prstGeom prst="rect">
+            <a:avLst/>
+          </a:prstGeom>
+        </p:spPr>
+        <p:style>
+          <a:lnRef idx="2">
+            <a:schemeClr val="accent1">
+              <a:shade val="50000"/>
+            </a:schemeClr>
+          </a:lnRef>
+          <a:fillRef idx="1">
+            <a:schemeClr val="accent1"/>
+          </a:fillRef>
+          <a:effectRef idx="0">
+            <a:schemeClr val="accent1"/>
+          </a:effectRef>
+          <a:fontRef idx="minor">
+            <a:schemeClr val="lt1"/>
+          </a:fontRef>
+        </p:style>
+        <p:txBody>
+          <a:bodyPr rtlCol="0" anchor="ctr"/>
+          <a:lstStyle/>
+          <a:p>
+            <a:pPr algn="ctr"/>
+            <a:r>
+              <a:rPr lang="en-US" altLang="ko-KR" dirty="0" err="1"/>
+              <a:t>OpenAI</a:t>
+            </a:r>
+            <a:endParaRPr lang="ko-KR" altLang="en-US" dirty="0"/>
+          </a:p>
+        </p:txBody>
+      </p:sp>
+      <p:sp>
+        <p:nvSpPr>
+          <p:cNvPr id="6" name="직사각형 5">
+            <a:extLst>
+              <a:ext uri="{FF2B5EF4-FFF2-40B4-BE49-F238E27FC236}">
+                <a16:creationId xmlns:a16="http://schemas.microsoft.com/office/drawing/2014/main" id="{FBA80506-C03E-4F5E-AE7A-6E84588FC2BB}"/>
+              </a:ext>
+            </a:extLst>
+          </p:cNvPr>
+          <p:cNvSpPr/>
+          <p:nvPr/>
+        </p:nvSpPr>
+        <p:spPr>
+          <a:xfrm>
+            <a:off x="1337066" y="2696348"/>
+            <a:ext cx="2003236" cy="465993"/>
+          </a:xfrm>
+          <a:prstGeom prst="rect">
+            <a:avLst/>
+          </a:prstGeom>
+        </p:spPr>
+        <p:style>
+          <a:lnRef idx="2">
+            <a:schemeClr val="accent1">
+              <a:shade val="50000"/>
+            </a:schemeClr>
+          </a:lnRef>
+          <a:fillRef idx="1">
+            <a:schemeClr val="accent1"/>
+          </a:fillRef>
+          <a:effectRef idx="0">
+            <a:schemeClr val="accent1"/>
+          </a:effectRef>
+          <a:fontRef idx="minor">
+            <a:schemeClr val="lt1"/>
+          </a:fontRef>
+        </p:style>
+        <p:txBody>
+          <a:bodyPr rtlCol="0" anchor="ctr"/>
+          <a:lstStyle/>
+          <a:p>
+            <a:pPr algn="ctr"/>
+            <a:r>
+              <a:rPr lang="en-US" altLang="ko-KR" dirty="0"/>
+              <a:t>Google</a:t>
+            </a:r>
+            <a:endParaRPr lang="ko-KR" altLang="en-US" dirty="0"/>
+          </a:p>
+        </p:txBody>
+      </p:sp>
+      <p:sp>
+        <p:nvSpPr>
+          <p:cNvPr id="7" name="직사각형 6">
+            <a:extLst>
+              <a:ext uri="{FF2B5EF4-FFF2-40B4-BE49-F238E27FC236}">
+                <a16:creationId xmlns:a16="http://schemas.microsoft.com/office/drawing/2014/main" id="{BDB979B4-8A25-4203-8101-D96E9A448E4C}"/>
+              </a:ext>
+            </a:extLst>
+          </p:cNvPr>
+          <p:cNvSpPr/>
+          <p:nvPr/>
+        </p:nvSpPr>
+        <p:spPr>
+          <a:xfrm>
+            <a:off x="9127295" y="4213406"/>
+            <a:ext cx="1776046" cy="465993"/>
+          </a:xfrm>
+          <a:prstGeom prst="rect">
+            <a:avLst/>
+          </a:prstGeom>
+        </p:spPr>
+        <p:style>
+          <a:lnRef idx="2">
+            <a:schemeClr val="accent1">
+              <a:shade val="50000"/>
+            </a:schemeClr>
+          </a:lnRef>
+          <a:fillRef idx="1">
+            <a:schemeClr val="accent1"/>
+          </a:fillRef>
+          <a:effectRef idx="0">
+            <a:schemeClr val="accent1"/>
+          </a:effectRef>
+          <a:fontRef idx="minor">
+            <a:schemeClr val="lt1"/>
+          </a:fontRef>
+        </p:style>
+        <p:txBody>
+          <a:bodyPr rtlCol="0" anchor="ctr"/>
+          <a:lstStyle/>
+          <a:p>
+            <a:pPr algn="ctr"/>
+            <a:r>
+              <a:rPr lang="en-US" altLang="ko-KR" dirty="0"/>
+              <a:t>Twitter</a:t>
+            </a:r>
+            <a:endParaRPr lang="ko-KR" altLang="en-US" dirty="0"/>
+          </a:p>
+        </p:txBody>
+      </p:sp>
+      <p:sp>
+        <p:nvSpPr>
+          <p:cNvPr id="8" name="직사각형 7">
+            <a:extLst>
+              <a:ext uri="{FF2B5EF4-FFF2-40B4-BE49-F238E27FC236}">
+                <a16:creationId xmlns:a16="http://schemas.microsoft.com/office/drawing/2014/main" id="{A498E37E-BB49-4460-B7EA-E28B30712481}"/>
+              </a:ext>
+            </a:extLst>
+          </p:cNvPr>
+          <p:cNvSpPr/>
+          <p:nvPr/>
+        </p:nvSpPr>
+        <p:spPr>
+          <a:xfrm>
+            <a:off x="5080908" y="5116703"/>
+            <a:ext cx="1776046" cy="465993"/>
+          </a:xfrm>
+          <a:prstGeom prst="rect">
+            <a:avLst/>
+          </a:prstGeom>
+        </p:spPr>
+        <p:style>
+          <a:lnRef idx="2">
+            <a:schemeClr val="accent1">
+              <a:shade val="50000"/>
+            </a:schemeClr>
+          </a:lnRef>
+          <a:fillRef idx="1">
+            <a:schemeClr val="accent1"/>
+          </a:fillRef>
+          <a:effectRef idx="0">
+            <a:schemeClr val="accent1"/>
+          </a:effectRef>
+          <a:fontRef idx="minor">
+            <a:schemeClr val="lt1"/>
+          </a:fontRef>
+        </p:style>
+        <p:txBody>
+          <a:bodyPr rtlCol="0" anchor="ctr"/>
+          <a:lstStyle/>
+          <a:p>
+            <a:pPr algn="ctr"/>
+            <a:r>
+              <a:rPr lang="en-US" altLang="ko-KR" dirty="0"/>
+              <a:t>Microsoft</a:t>
+            </a:r>
+            <a:endParaRPr lang="ko-KR" altLang="en-US" dirty="0"/>
+          </a:p>
+        </p:txBody>
+      </p:sp>
+      <p:sp>
+        <p:nvSpPr>
+          <p:cNvPr id="9" name="직사각형 8">
+            <a:extLst>
+              <a:ext uri="{FF2B5EF4-FFF2-40B4-BE49-F238E27FC236}">
+                <a16:creationId xmlns:a16="http://schemas.microsoft.com/office/drawing/2014/main" id="{5BE0D7D7-C452-4BC9-8AF6-BE4A4DF1FB4C}"/>
+              </a:ext>
+            </a:extLst>
+          </p:cNvPr>
+          <p:cNvSpPr/>
+          <p:nvPr/>
+        </p:nvSpPr>
+        <p:spPr>
+          <a:xfrm>
+            <a:off x="9192359" y="6069621"/>
+            <a:ext cx="1776046" cy="465993"/>
+          </a:xfrm>
+          <a:prstGeom prst="rect">
+            <a:avLst/>
+          </a:prstGeom>
+        </p:spPr>
+        <p:style>
+          <a:lnRef idx="2">
+            <a:schemeClr val="accent6">
+              <a:shade val="50000"/>
+            </a:schemeClr>
+          </a:lnRef>
+          <a:fillRef idx="1">
+            <a:schemeClr val="accent6"/>
+          </a:fillRef>
+          <a:effectRef idx="0">
+            <a:schemeClr val="accent6"/>
+          </a:effectRef>
+          <a:fontRef idx="minor">
+            <a:schemeClr val="lt1"/>
+          </a:fontRef>
+        </p:style>
+        <p:txBody>
+          <a:bodyPr rtlCol="0" anchor="ctr"/>
+          <a:lstStyle/>
+          <a:p>
+            <a:pPr algn="ctr"/>
+            <a:r>
+              <a:rPr lang="en-US" altLang="ko-KR" dirty="0"/>
+              <a:t>x.AI</a:t>
+            </a:r>
+            <a:endParaRPr lang="ko-KR" altLang="en-US" dirty="0"/>
+          </a:p>
+        </p:txBody>
+      </p:sp>
+      <p:sp>
+        <p:nvSpPr>
+          <p:cNvPr id="11" name="직사각형 10">
+            <a:extLst>
+              <a:ext uri="{FF2B5EF4-FFF2-40B4-BE49-F238E27FC236}">
+                <a16:creationId xmlns:a16="http://schemas.microsoft.com/office/drawing/2014/main" id="{49E4D080-F9BE-4251-B85A-35E27D82A95B}"/>
+              </a:ext>
+            </a:extLst>
+          </p:cNvPr>
+          <p:cNvSpPr/>
+          <p:nvPr/>
+        </p:nvSpPr>
+        <p:spPr>
+          <a:xfrm>
+            <a:off x="1282810" y="6069621"/>
+            <a:ext cx="2003236" cy="465993"/>
+          </a:xfrm>
+          <a:prstGeom prst="rect">
+            <a:avLst/>
+          </a:prstGeom>
+        </p:spPr>
+        <p:style>
+          <a:lnRef idx="2">
+            <a:schemeClr val="accent6">
+              <a:shade val="50000"/>
+            </a:schemeClr>
+          </a:lnRef>
+          <a:fillRef idx="1">
+            <a:schemeClr val="accent6"/>
+          </a:fillRef>
+          <a:effectRef idx="0">
+            <a:schemeClr val="accent6"/>
+          </a:effectRef>
+          <a:fontRef idx="minor">
+            <a:schemeClr val="lt1"/>
+          </a:fontRef>
+        </p:style>
+        <p:txBody>
+          <a:bodyPr rtlCol="0" anchor="ctr"/>
+          <a:lstStyle/>
+          <a:p>
+            <a:pPr algn="ctr"/>
+            <a:r>
+              <a:rPr lang="en-US" altLang="ko-KR" dirty="0"/>
+              <a:t>Bard</a:t>
+            </a:r>
+            <a:endParaRPr lang="ko-KR" altLang="en-US" dirty="0"/>
+          </a:p>
+        </p:txBody>
+      </p:sp>
+      <p:sp>
+        <p:nvSpPr>
+          <p:cNvPr id="12" name="화살표: 아래쪽 11">
+            <a:extLst>
+              <a:ext uri="{FF2B5EF4-FFF2-40B4-BE49-F238E27FC236}">
+                <a16:creationId xmlns:a16="http://schemas.microsoft.com/office/drawing/2014/main" id="{36325DDE-FD8F-4C26-A222-8EF91BA62528}"/>
+              </a:ext>
+            </a:extLst>
+          </p:cNvPr>
+          <p:cNvSpPr/>
+          <p:nvPr/>
+        </p:nvSpPr>
+        <p:spPr>
+          <a:xfrm>
+            <a:off x="2214392" y="3237724"/>
+            <a:ext cx="110196" cy="2714669"/>
+          </a:xfrm>
+          <a:prstGeom prst="downArrow">
+            <a:avLst/>
+          </a:prstGeom>
+        </p:spPr>
+        <p:style>
+          <a:lnRef idx="2">
+            <a:schemeClr val="accent1">
+              <a:shade val="50000"/>
+            </a:schemeClr>
+          </a:lnRef>
+          <a:fillRef idx="1">
+            <a:schemeClr val="accent1"/>
+          </a:fillRef>
+          <a:effectRef idx="0">
+            <a:schemeClr val="accent1"/>
+          </a:effectRef>
+          <a:fontRef idx="minor">
+            <a:schemeClr val="lt1"/>
+          </a:fontRef>
+        </p:style>
+        <p:txBody>
+          <a:bodyPr rtlCol="0" anchor="ctr"/>
+          <a:lstStyle/>
+          <a:p>
+            <a:pPr algn="ctr"/>
+            <a:endParaRPr lang="ko-KR" altLang="en-US"/>
+          </a:p>
+        </p:txBody>
+      </p:sp>
+      <p:sp>
+        <p:nvSpPr>
+          <p:cNvPr id="13" name="화살표: 아래쪽 12">
+            <a:extLst>
+              <a:ext uri="{FF2B5EF4-FFF2-40B4-BE49-F238E27FC236}">
+                <a16:creationId xmlns:a16="http://schemas.microsoft.com/office/drawing/2014/main" id="{07AE824B-2982-4608-9147-BE3EA27E4191}"/>
+              </a:ext>
+            </a:extLst>
+          </p:cNvPr>
+          <p:cNvSpPr/>
+          <p:nvPr/>
+        </p:nvSpPr>
+        <p:spPr>
+          <a:xfrm flipH="1">
+            <a:off x="5881824" y="5538811"/>
+            <a:ext cx="110195" cy="435563"/>
+          </a:xfrm>
+          <a:prstGeom prst="downArrow">
+            <a:avLst/>
+          </a:prstGeom>
+        </p:spPr>
+        <p:style>
+          <a:lnRef idx="2">
+            <a:schemeClr val="accent1">
+              <a:shade val="50000"/>
+            </a:schemeClr>
+          </a:lnRef>
+          <a:fillRef idx="1">
+            <a:schemeClr val="accent1"/>
+          </a:fillRef>
+          <a:effectRef idx="0">
+            <a:schemeClr val="accent1"/>
+          </a:effectRef>
+          <a:fontRef idx="minor">
+            <a:schemeClr val="lt1"/>
+          </a:fontRef>
+        </p:style>
+        <p:txBody>
+          <a:bodyPr rtlCol="0" anchor="ctr"/>
+          <a:lstStyle/>
+          <a:p>
+            <a:pPr algn="ctr"/>
+            <a:endParaRPr lang="ko-KR" altLang="en-US"/>
+          </a:p>
+        </p:txBody>
+      </p:sp>
+      <p:sp>
+        <p:nvSpPr>
+          <p:cNvPr id="14" name="화살표: 아래쪽 13">
+            <a:extLst>
+              <a:ext uri="{FF2B5EF4-FFF2-40B4-BE49-F238E27FC236}">
+                <a16:creationId xmlns:a16="http://schemas.microsoft.com/office/drawing/2014/main" id="{5BB53BAA-BB8E-49AC-AF67-486BE119BDBA}"/>
+              </a:ext>
+            </a:extLst>
+          </p:cNvPr>
+          <p:cNvSpPr/>
+          <p:nvPr/>
+        </p:nvSpPr>
+        <p:spPr>
+          <a:xfrm>
+            <a:off x="9960220" y="4760401"/>
+            <a:ext cx="110197" cy="1213973"/>
+          </a:xfrm>
+          <a:prstGeom prst="downArrow">
+            <a:avLst/>
+          </a:prstGeom>
+        </p:spPr>
+        <p:style>
+          <a:lnRef idx="2">
+            <a:schemeClr val="accent1">
+              <a:shade val="50000"/>
+            </a:schemeClr>
+          </a:lnRef>
+          <a:fillRef idx="1">
+            <a:schemeClr val="accent1"/>
+          </a:fillRef>
+          <a:effectRef idx="0">
+            <a:schemeClr val="accent1"/>
+          </a:effectRef>
+          <a:fontRef idx="minor">
+            <a:schemeClr val="lt1"/>
+          </a:fontRef>
+        </p:style>
+        <p:txBody>
+          <a:bodyPr rtlCol="0" anchor="ctr"/>
+          <a:lstStyle/>
+          <a:p>
+            <a:pPr algn="ctr"/>
+            <a:endParaRPr lang="ko-KR" altLang="en-US"/>
+          </a:p>
+        </p:txBody>
+      </p:sp>
+      <p:sp>
+        <p:nvSpPr>
+          <p:cNvPr id="15" name="직사각형 14">
+            <a:extLst>
+              <a:ext uri="{FF2B5EF4-FFF2-40B4-BE49-F238E27FC236}">
+                <a16:creationId xmlns:a16="http://schemas.microsoft.com/office/drawing/2014/main" id="{3C00BB09-1286-4653-AA31-39352FD3209D}"/>
+              </a:ext>
+            </a:extLst>
+          </p:cNvPr>
+          <p:cNvSpPr/>
+          <p:nvPr/>
+        </p:nvSpPr>
+        <p:spPr>
+          <a:xfrm>
+            <a:off x="9552843" y="141375"/>
+            <a:ext cx="2089638" cy="461665"/>
+          </a:xfrm>
+          <a:prstGeom prst="rect">
+            <a:avLst/>
+          </a:prstGeom>
+        </p:spPr>
+        <p:txBody>
+          <a:bodyPr wrap="square">
+            <a:spAutoFit/>
+          </a:bodyPr>
+          <a:lstStyle/>
+          <a:p>
+            <a:pPr fontAlgn="ctr"/>
+            <a:r>
+              <a:rPr lang="en-US" altLang="ko-KR" sz="1200" dirty="0"/>
+              <a:t>Artificial Intelligence 1950</a:t>
+            </a:r>
+          </a:p>
+          <a:p>
+            <a:pPr fontAlgn="ctr"/>
+            <a:r>
+              <a:rPr lang="en-US" altLang="ko-KR" sz="1200" dirty="0"/>
+              <a:t>Machine learning</a:t>
+            </a:r>
+            <a:endParaRPr lang="ko-KR" altLang="ko-KR" sz="1200" dirty="0"/>
+          </a:p>
+        </p:txBody>
+      </p:sp>
+      <p:sp>
+        <p:nvSpPr>
+          <p:cNvPr id="16" name="직사각형 15">
+            <a:extLst>
+              <a:ext uri="{FF2B5EF4-FFF2-40B4-BE49-F238E27FC236}">
+                <a16:creationId xmlns:a16="http://schemas.microsoft.com/office/drawing/2014/main" id="{E830D79E-A797-4A05-8B8B-BC871E442459}"/>
+              </a:ext>
+            </a:extLst>
+          </p:cNvPr>
+          <p:cNvSpPr/>
+          <p:nvPr/>
+        </p:nvSpPr>
+        <p:spPr>
+          <a:xfrm>
+            <a:off x="517282" y="141374"/>
+            <a:ext cx="1485900" cy="646331"/>
+          </a:xfrm>
+          <a:prstGeom prst="rect">
+            <a:avLst/>
+          </a:prstGeom>
+        </p:spPr>
+        <p:txBody>
+          <a:bodyPr wrap="square">
+            <a:spAutoFit/>
+          </a:bodyPr>
+          <a:lstStyle/>
+          <a:p>
+            <a:pPr fontAlgn="ctr"/>
+            <a:r>
+              <a:rPr lang="en-US" altLang="ko-KR" sz="1200" dirty="0"/>
+              <a:t>Perceptron 1957</a:t>
+            </a:r>
+          </a:p>
+          <a:p>
+            <a:pPr fontAlgn="ctr"/>
+            <a:r>
+              <a:rPr lang="en-US" altLang="ko-KR" sz="1200" dirty="0"/>
+              <a:t>Neural Networks</a:t>
+            </a:r>
+          </a:p>
+          <a:p>
+            <a:pPr fontAlgn="ctr"/>
+            <a:r>
+              <a:rPr lang="en-US" altLang="ko-KR" sz="1200" dirty="0"/>
+              <a:t>Deep Learning</a:t>
+            </a:r>
+            <a:endParaRPr lang="ko-KR" altLang="ko-KR" sz="1200" dirty="0"/>
+          </a:p>
+        </p:txBody>
+      </p:sp>
+      <p:sp>
+        <p:nvSpPr>
+          <p:cNvPr id="17" name="직사각형 16">
+            <a:extLst>
+              <a:ext uri="{FF2B5EF4-FFF2-40B4-BE49-F238E27FC236}">
+                <a16:creationId xmlns:a16="http://schemas.microsoft.com/office/drawing/2014/main" id="{7EC89886-ED40-4857-BB29-0AB80DB7038F}"/>
+              </a:ext>
+            </a:extLst>
+          </p:cNvPr>
+          <p:cNvSpPr/>
+          <p:nvPr/>
+        </p:nvSpPr>
+        <p:spPr>
+          <a:xfrm>
+            <a:off x="4831374" y="1116619"/>
+            <a:ext cx="2089638" cy="276999"/>
+          </a:xfrm>
+          <a:prstGeom prst="rect">
+            <a:avLst/>
+          </a:prstGeom>
+        </p:spPr>
+        <p:txBody>
+          <a:bodyPr wrap="square">
+            <a:spAutoFit/>
+          </a:bodyPr>
+          <a:lstStyle/>
+          <a:p>
+            <a:pPr fontAlgn="ctr"/>
+            <a:r>
+              <a:rPr lang="en-US" altLang="ko-KR" sz="1200" dirty="0"/>
+              <a:t>2010</a:t>
+            </a:r>
+            <a:endParaRPr lang="ko-KR" altLang="ko-KR" sz="1200" dirty="0"/>
+          </a:p>
+        </p:txBody>
+      </p:sp>
+      <p:sp>
+        <p:nvSpPr>
+          <p:cNvPr id="18" name="직사각형 17">
+            <a:extLst>
+              <a:ext uri="{FF2B5EF4-FFF2-40B4-BE49-F238E27FC236}">
+                <a16:creationId xmlns:a16="http://schemas.microsoft.com/office/drawing/2014/main" id="{D34D4612-5C2F-4C32-B23A-F4337EBAC3D4}"/>
+              </a:ext>
+            </a:extLst>
+          </p:cNvPr>
+          <p:cNvSpPr/>
+          <p:nvPr/>
+        </p:nvSpPr>
+        <p:spPr>
+          <a:xfrm>
+            <a:off x="7824107" y="3506604"/>
+            <a:ext cx="2089638" cy="276999"/>
+          </a:xfrm>
+          <a:prstGeom prst="rect">
+            <a:avLst/>
+          </a:prstGeom>
+        </p:spPr>
+        <p:txBody>
+          <a:bodyPr wrap="square">
+            <a:spAutoFit/>
+          </a:bodyPr>
+          <a:lstStyle/>
+          <a:p>
+            <a:pPr fontAlgn="ctr"/>
+            <a:r>
+              <a:rPr lang="en-US" altLang="ko-KR" sz="1200" dirty="0"/>
+              <a:t>2015 Elon Musk</a:t>
+            </a:r>
+            <a:endParaRPr lang="ko-KR" altLang="ko-KR" sz="1200" dirty="0"/>
+          </a:p>
+        </p:txBody>
+      </p:sp>
+      <p:cxnSp>
+        <p:nvCxnSpPr>
+          <p:cNvPr id="21" name="직선 화살표 연결선 20">
+            <a:extLst>
+              <a:ext uri="{FF2B5EF4-FFF2-40B4-BE49-F238E27FC236}">
+                <a16:creationId xmlns:a16="http://schemas.microsoft.com/office/drawing/2014/main" id="{4DD736BC-91DD-4B3A-A874-7D45FA6A0896}"/>
+              </a:ext>
+            </a:extLst>
+          </p:cNvPr>
+          <p:cNvCxnSpPr/>
+          <p:nvPr/>
+        </p:nvCxnSpPr>
+        <p:spPr>
+          <a:xfrm>
+            <a:off x="1800959" y="668215"/>
+            <a:ext cx="1301261" cy="448404"/>
+          </a:xfrm>
+          <a:prstGeom prst="straightConnector1">
+            <a:avLst/>
+          </a:prstGeom>
+          <a:ln>
+            <a:tailEnd type="triangle"/>
+          </a:ln>
+        </p:spPr>
+        <p:style>
+          <a:lnRef idx="1">
+            <a:schemeClr val="accent1"/>
+          </a:lnRef>
+          <a:fillRef idx="0">
+            <a:schemeClr val="accent1"/>
+          </a:fillRef>
+          <a:effectRef idx="0">
+            <a:schemeClr val="accent1"/>
+          </a:effectRef>
+          <a:fontRef idx="minor">
+            <a:schemeClr val="tx1"/>
+          </a:fontRef>
+        </p:style>
+      </p:cxnSp>
+      <p:cxnSp>
+        <p:nvCxnSpPr>
+          <p:cNvPr id="23" name="직선 화살표 연결선 22">
+            <a:extLst>
+              <a:ext uri="{FF2B5EF4-FFF2-40B4-BE49-F238E27FC236}">
+                <a16:creationId xmlns:a16="http://schemas.microsoft.com/office/drawing/2014/main" id="{5A7A9F46-158B-498A-BB4C-0C874FF01FA6}"/>
+              </a:ext>
+            </a:extLst>
+          </p:cNvPr>
+          <p:cNvCxnSpPr/>
+          <p:nvPr/>
+        </p:nvCxnSpPr>
+        <p:spPr>
+          <a:xfrm flipH="1">
+            <a:off x="5370636" y="372207"/>
+            <a:ext cx="4097215" cy="882911"/>
+          </a:xfrm>
+          <a:prstGeom prst="straightConnector1">
+            <a:avLst/>
+          </a:prstGeom>
+          <a:ln>
+            <a:tailEnd type="triangle"/>
+          </a:ln>
+        </p:spPr>
+        <p:style>
+          <a:lnRef idx="1">
+            <a:schemeClr val="accent1"/>
+          </a:lnRef>
+          <a:fillRef idx="0">
+            <a:schemeClr val="accent1"/>
+          </a:fillRef>
+          <a:effectRef idx="0">
+            <a:schemeClr val="accent1"/>
+          </a:effectRef>
+          <a:fontRef idx="minor">
+            <a:schemeClr val="tx1"/>
+          </a:fontRef>
+        </p:style>
+      </p:cxnSp>
+      <p:cxnSp>
+        <p:nvCxnSpPr>
+          <p:cNvPr id="25" name="직선 화살표 연결선 24">
+            <a:extLst>
+              <a:ext uri="{FF2B5EF4-FFF2-40B4-BE49-F238E27FC236}">
+                <a16:creationId xmlns:a16="http://schemas.microsoft.com/office/drawing/2014/main" id="{68A9CB02-02DE-4919-BBE2-B56B18653480}"/>
+              </a:ext>
+            </a:extLst>
+          </p:cNvPr>
+          <p:cNvCxnSpPr>
+            <a:cxnSpLocks/>
+          </p:cNvCxnSpPr>
+          <p:nvPr/>
+        </p:nvCxnSpPr>
+        <p:spPr>
+          <a:xfrm flipH="1">
+            <a:off x="7217559" y="372207"/>
+            <a:ext cx="2250293" cy="3116542"/>
+          </a:xfrm>
+          <a:prstGeom prst="straightConnector1">
+            <a:avLst/>
+          </a:prstGeom>
+          <a:ln>
+            <a:tailEnd type="triangle"/>
+          </a:ln>
+        </p:spPr>
+        <p:style>
+          <a:lnRef idx="1">
+            <a:schemeClr val="accent1"/>
+          </a:lnRef>
+          <a:fillRef idx="0">
+            <a:schemeClr val="accent1"/>
+          </a:fillRef>
+          <a:effectRef idx="0">
+            <a:schemeClr val="accent1"/>
+          </a:effectRef>
+          <a:fontRef idx="minor">
+            <a:schemeClr val="tx1"/>
+          </a:fontRef>
+        </p:style>
+      </p:cxnSp>
+      <p:cxnSp>
+        <p:nvCxnSpPr>
+          <p:cNvPr id="27" name="직선 화살표 연결선 26">
+            <a:extLst>
+              <a:ext uri="{FF2B5EF4-FFF2-40B4-BE49-F238E27FC236}">
+                <a16:creationId xmlns:a16="http://schemas.microsoft.com/office/drawing/2014/main" id="{0700923C-D9AA-448F-99ED-A1B07805DCA9}"/>
+              </a:ext>
+            </a:extLst>
+          </p:cNvPr>
+          <p:cNvCxnSpPr>
+            <a:cxnSpLocks/>
+          </p:cNvCxnSpPr>
+          <p:nvPr/>
+        </p:nvCxnSpPr>
+        <p:spPr>
+          <a:xfrm flipH="1">
+            <a:off x="2451589" y="1179660"/>
+            <a:ext cx="1781798" cy="1434367"/>
+          </a:xfrm>
+          <a:prstGeom prst="straightConnector1">
+            <a:avLst/>
+          </a:prstGeom>
+          <a:ln>
+            <a:tailEnd type="triangle"/>
+          </a:ln>
+        </p:spPr>
+        <p:style>
+          <a:lnRef idx="1">
+            <a:schemeClr val="accent1"/>
+          </a:lnRef>
+          <a:fillRef idx="0">
+            <a:schemeClr val="accent1"/>
+          </a:fillRef>
+          <a:effectRef idx="0">
+            <a:schemeClr val="accent1"/>
+          </a:effectRef>
+          <a:fontRef idx="minor">
+            <a:schemeClr val="tx1"/>
+          </a:fontRef>
+        </p:style>
+      </p:cxnSp>
+      <p:sp>
+        <p:nvSpPr>
+          <p:cNvPr id="28" name="직사각형 27">
+            <a:extLst>
+              <a:ext uri="{FF2B5EF4-FFF2-40B4-BE49-F238E27FC236}">
+                <a16:creationId xmlns:a16="http://schemas.microsoft.com/office/drawing/2014/main" id="{8977EC8D-1637-4A5F-945D-EAB04B0F25F5}"/>
+              </a:ext>
+            </a:extLst>
+          </p:cNvPr>
+          <p:cNvSpPr/>
+          <p:nvPr/>
+        </p:nvSpPr>
+        <p:spPr>
+          <a:xfrm>
+            <a:off x="3300434" y="2614027"/>
+            <a:ext cx="2089638" cy="276999"/>
+          </a:xfrm>
+          <a:prstGeom prst="rect">
+            <a:avLst/>
+          </a:prstGeom>
+        </p:spPr>
+        <p:txBody>
+          <a:bodyPr wrap="square">
+            <a:spAutoFit/>
+          </a:bodyPr>
+          <a:lstStyle/>
+          <a:p>
+            <a:pPr fontAlgn="ctr"/>
+            <a:r>
+              <a:rPr lang="en-US" altLang="ko-KR" sz="1200" dirty="0"/>
+              <a:t>2014</a:t>
+            </a:r>
+            <a:endParaRPr lang="ko-KR" altLang="ko-KR" sz="1200" dirty="0"/>
+          </a:p>
+        </p:txBody>
+      </p:sp>
+      <p:cxnSp>
+        <p:nvCxnSpPr>
+          <p:cNvPr id="31" name="직선 화살표 연결선 30">
+            <a:extLst>
+              <a:ext uri="{FF2B5EF4-FFF2-40B4-BE49-F238E27FC236}">
+                <a16:creationId xmlns:a16="http://schemas.microsoft.com/office/drawing/2014/main" id="{0E810A58-7F50-47E8-A343-D97CF574995D}"/>
+              </a:ext>
+            </a:extLst>
+          </p:cNvPr>
+          <p:cNvCxnSpPr>
+            <a:cxnSpLocks/>
+          </p:cNvCxnSpPr>
+          <p:nvPr/>
+        </p:nvCxnSpPr>
+        <p:spPr>
+          <a:xfrm flipH="1">
+            <a:off x="5968931" y="4111435"/>
+            <a:ext cx="746374" cy="961857"/>
+          </a:xfrm>
+          <a:prstGeom prst="straightConnector1">
+            <a:avLst/>
+          </a:prstGeom>
+          <a:ln>
+            <a:tailEnd type="triangle"/>
+          </a:ln>
+        </p:spPr>
+        <p:style>
+          <a:lnRef idx="1">
+            <a:schemeClr val="accent1"/>
+          </a:lnRef>
+          <a:fillRef idx="0">
+            <a:schemeClr val="accent1"/>
+          </a:fillRef>
+          <a:effectRef idx="0">
+            <a:schemeClr val="accent1"/>
+          </a:effectRef>
+          <a:fontRef idx="minor">
+            <a:schemeClr val="tx1"/>
+          </a:fontRef>
+        </p:style>
+      </p:cxnSp>
+      <p:sp>
+        <p:nvSpPr>
+          <p:cNvPr id="37" name="직사각형 36">
+            <a:extLst>
+              <a:ext uri="{FF2B5EF4-FFF2-40B4-BE49-F238E27FC236}">
+                <a16:creationId xmlns:a16="http://schemas.microsoft.com/office/drawing/2014/main" id="{F83B3876-916C-460C-9D11-CBAB94DA5B33}"/>
+              </a:ext>
+            </a:extLst>
+          </p:cNvPr>
+          <p:cNvSpPr/>
+          <p:nvPr/>
+        </p:nvSpPr>
+        <p:spPr>
+          <a:xfrm>
+            <a:off x="787622" y="3929332"/>
+            <a:ext cx="1485899" cy="646331"/>
+          </a:xfrm>
+          <a:prstGeom prst="rect">
+            <a:avLst/>
+          </a:prstGeom>
+        </p:spPr>
+        <p:txBody>
+          <a:bodyPr wrap="square">
+            <a:spAutoFit/>
+          </a:bodyPr>
+          <a:lstStyle/>
+          <a:p>
+            <a:pPr algn="r" fontAlgn="ctr"/>
+            <a:r>
+              <a:rPr lang="en-US" altLang="ko-KR" sz="1200" dirty="0"/>
+              <a:t>AlphaGo 2016</a:t>
+            </a:r>
+          </a:p>
+          <a:p>
+            <a:pPr algn="r" fontAlgn="ctr"/>
+            <a:r>
+              <a:rPr lang="en-US" altLang="ko-KR" sz="1200" dirty="0" err="1"/>
+              <a:t>AlphaZero</a:t>
+            </a:r>
+            <a:r>
+              <a:rPr lang="en-US" altLang="ko-KR" sz="1200" dirty="0"/>
+              <a:t> 2017</a:t>
+            </a:r>
+          </a:p>
+          <a:p>
+            <a:pPr algn="r" fontAlgn="ctr"/>
+            <a:endParaRPr lang="en-US" altLang="ko-KR" sz="1200" dirty="0"/>
+          </a:p>
+        </p:txBody>
+      </p:sp>
+      <p:cxnSp>
+        <p:nvCxnSpPr>
+          <p:cNvPr id="39" name="직선 화살표 연결선 38">
+            <a:extLst>
+              <a:ext uri="{FF2B5EF4-FFF2-40B4-BE49-F238E27FC236}">
+                <a16:creationId xmlns:a16="http://schemas.microsoft.com/office/drawing/2014/main" id="{9B062B3C-FC24-43BA-9029-6D61C690D5AE}"/>
+              </a:ext>
+            </a:extLst>
+          </p:cNvPr>
+          <p:cNvCxnSpPr>
+            <a:cxnSpLocks/>
+          </p:cNvCxnSpPr>
+          <p:nvPr/>
+        </p:nvCxnSpPr>
+        <p:spPr>
+          <a:xfrm flipV="1">
+            <a:off x="3637149" y="4838266"/>
+            <a:ext cx="2410912" cy="3074"/>
+          </a:xfrm>
+          <a:prstGeom prst="straightConnector1">
+            <a:avLst/>
+          </a:prstGeom>
+          <a:ln>
+            <a:tailEnd type="triangle"/>
+          </a:ln>
+        </p:spPr>
+        <p:style>
+          <a:lnRef idx="1">
+            <a:schemeClr val="accent1"/>
+          </a:lnRef>
+          <a:fillRef idx="0">
+            <a:schemeClr val="accent1"/>
+          </a:fillRef>
+          <a:effectRef idx="0">
+            <a:schemeClr val="accent1"/>
+          </a:effectRef>
+          <a:fontRef idx="minor">
+            <a:schemeClr val="tx1"/>
+          </a:fontRef>
+        </p:style>
+      </p:cxnSp>
+      <p:sp>
+        <p:nvSpPr>
+          <p:cNvPr id="40" name="직사각형 39">
+            <a:extLst>
+              <a:ext uri="{FF2B5EF4-FFF2-40B4-BE49-F238E27FC236}">
+                <a16:creationId xmlns:a16="http://schemas.microsoft.com/office/drawing/2014/main" id="{825166AF-0B64-462F-BCF9-201E29A6571A}"/>
+              </a:ext>
+            </a:extLst>
+          </p:cNvPr>
+          <p:cNvSpPr/>
+          <p:nvPr/>
+        </p:nvSpPr>
+        <p:spPr>
+          <a:xfrm>
+            <a:off x="5144966" y="6069621"/>
+            <a:ext cx="1776046" cy="465993"/>
+          </a:xfrm>
+          <a:prstGeom prst="rect">
+            <a:avLst/>
+          </a:prstGeom>
+        </p:spPr>
+        <p:style>
+          <a:lnRef idx="2">
+            <a:schemeClr val="accent6">
+              <a:shade val="50000"/>
+            </a:schemeClr>
+          </a:lnRef>
+          <a:fillRef idx="1">
+            <a:schemeClr val="accent6"/>
+          </a:fillRef>
+          <a:effectRef idx="0">
+            <a:schemeClr val="accent6"/>
+          </a:effectRef>
+          <a:fontRef idx="minor">
+            <a:schemeClr val="lt1"/>
+          </a:fontRef>
+        </p:style>
+        <p:txBody>
+          <a:bodyPr rtlCol="0" anchor="ctr"/>
+          <a:lstStyle/>
+          <a:p>
+            <a:pPr algn="ctr"/>
+            <a:r>
+              <a:rPr lang="en-US" altLang="ko-KR" dirty="0"/>
+              <a:t>chat GPT</a:t>
+            </a:r>
+            <a:endParaRPr lang="ko-KR" altLang="en-US" dirty="0"/>
+          </a:p>
+        </p:txBody>
+      </p:sp>
+      <p:sp>
+        <p:nvSpPr>
+          <p:cNvPr id="42" name="직사각형 41">
+            <a:extLst>
+              <a:ext uri="{FF2B5EF4-FFF2-40B4-BE49-F238E27FC236}">
+                <a16:creationId xmlns:a16="http://schemas.microsoft.com/office/drawing/2014/main" id="{8202A562-20DB-43B3-93EC-CC2969CAA740}"/>
+              </a:ext>
+            </a:extLst>
+          </p:cNvPr>
+          <p:cNvSpPr/>
+          <p:nvPr/>
+        </p:nvSpPr>
+        <p:spPr>
+          <a:xfrm>
+            <a:off x="3286046" y="6063263"/>
+            <a:ext cx="595489" cy="277000"/>
+          </a:xfrm>
+          <a:prstGeom prst="rect">
+            <a:avLst/>
+          </a:prstGeom>
+        </p:spPr>
+        <p:txBody>
+          <a:bodyPr wrap="square">
+            <a:spAutoFit/>
+          </a:bodyPr>
+          <a:lstStyle/>
+          <a:p>
+            <a:pPr fontAlgn="ctr"/>
+            <a:r>
+              <a:rPr lang="en-US" altLang="ko-KR" sz="1200" dirty="0"/>
+              <a:t>2023</a:t>
+            </a:r>
+            <a:endParaRPr lang="ko-KR" altLang="ko-KR" sz="1200" dirty="0"/>
+          </a:p>
+        </p:txBody>
+      </p:sp>
+      <p:cxnSp>
+        <p:nvCxnSpPr>
+          <p:cNvPr id="51" name="직선 화살표 연결선 50">
+            <a:extLst>
+              <a:ext uri="{FF2B5EF4-FFF2-40B4-BE49-F238E27FC236}">
+                <a16:creationId xmlns:a16="http://schemas.microsoft.com/office/drawing/2014/main" id="{49C9CCF0-7756-4A04-B369-EA4D4AD2BB62}"/>
+              </a:ext>
+            </a:extLst>
+          </p:cNvPr>
+          <p:cNvCxnSpPr>
+            <a:cxnSpLocks/>
+          </p:cNvCxnSpPr>
+          <p:nvPr/>
+        </p:nvCxnSpPr>
+        <p:spPr>
+          <a:xfrm>
+            <a:off x="9127295" y="3744961"/>
+            <a:ext cx="888023" cy="377399"/>
+          </a:xfrm>
+          <a:prstGeom prst="straightConnector1">
+            <a:avLst/>
+          </a:prstGeom>
+          <a:ln>
+            <a:tailEnd type="triangle"/>
+          </a:ln>
+        </p:spPr>
+        <p:style>
+          <a:lnRef idx="1">
+            <a:schemeClr val="accent1"/>
+          </a:lnRef>
+          <a:fillRef idx="0">
+            <a:schemeClr val="accent1"/>
+          </a:fillRef>
+          <a:effectRef idx="0">
+            <a:schemeClr val="accent1"/>
+          </a:effectRef>
+          <a:fontRef idx="minor">
+            <a:schemeClr val="tx1"/>
+          </a:fontRef>
+        </p:style>
+      </p:cxnSp>
+      <p:sp>
+        <p:nvSpPr>
+          <p:cNvPr id="52" name="직사각형 51">
+            <a:extLst>
+              <a:ext uri="{FF2B5EF4-FFF2-40B4-BE49-F238E27FC236}">
+                <a16:creationId xmlns:a16="http://schemas.microsoft.com/office/drawing/2014/main" id="{955EF9FE-3CB4-43A5-BDEA-5613EF01D8F8}"/>
+              </a:ext>
+            </a:extLst>
+          </p:cNvPr>
+          <p:cNvSpPr/>
+          <p:nvPr/>
+        </p:nvSpPr>
+        <p:spPr>
+          <a:xfrm>
+            <a:off x="2209745" y="4702465"/>
+            <a:ext cx="1404231" cy="276999"/>
+          </a:xfrm>
+          <a:prstGeom prst="rect">
+            <a:avLst/>
+          </a:prstGeom>
+        </p:spPr>
+        <p:txBody>
+          <a:bodyPr wrap="none">
+            <a:spAutoFit/>
+          </a:bodyPr>
+          <a:lstStyle/>
+          <a:p>
+            <a:pPr algn="r" fontAlgn="ctr"/>
+            <a:r>
+              <a:rPr lang="en-US" altLang="ko-KR" sz="1200" dirty="0">
+                <a:effectLst>
+                  <a:outerShdw blurRad="38100" dist="38100" dir="2700000" algn="tl">
+                    <a:srgbClr val="000000">
+                      <a:alpha val="43137"/>
+                    </a:srgbClr>
+                  </a:outerShdw>
+                </a:effectLst>
+              </a:rPr>
+              <a:t>Transformer 2018</a:t>
+            </a:r>
+            <a:endParaRPr lang="ko-KR" altLang="ko-KR" sz="1200" dirty="0">
+              <a:effectLst>
+                <a:outerShdw blurRad="38100" dist="38100" dir="2700000" algn="tl">
+                  <a:srgbClr val="000000">
+                    <a:alpha val="43137"/>
+                  </a:srgbClr>
+                </a:outerShdw>
+              </a:effectLst>
+            </a:endParaRPr>
+          </a:p>
+        </p:txBody>
+      </p:sp>
+      <p:sp>
+        <p:nvSpPr>
+          <p:cNvPr id="65" name="직사각형 64">
+            <a:extLst>
+              <a:ext uri="{FF2B5EF4-FFF2-40B4-BE49-F238E27FC236}">
+                <a16:creationId xmlns:a16="http://schemas.microsoft.com/office/drawing/2014/main" id="{9F17BBE1-DB2B-4F29-8BC5-135C4159FB8A}"/>
+              </a:ext>
+            </a:extLst>
+          </p:cNvPr>
+          <p:cNvSpPr/>
+          <p:nvPr/>
+        </p:nvSpPr>
+        <p:spPr>
+          <a:xfrm>
+            <a:off x="3241610" y="1868186"/>
+            <a:ext cx="2007281" cy="276999"/>
+          </a:xfrm>
+          <a:prstGeom prst="rect">
+            <a:avLst/>
+          </a:prstGeom>
+        </p:spPr>
+        <p:txBody>
+          <a:bodyPr wrap="none">
+            <a:spAutoFit/>
+          </a:bodyPr>
+          <a:lstStyle/>
+          <a:p>
+            <a:r>
+              <a:rPr lang="en-US" altLang="ko-KR" sz="1200" dirty="0"/>
+              <a:t>ImageNet Challenge 2012</a:t>
+            </a:r>
+            <a:endParaRPr lang="ko-KR" altLang="en-US" sz="1200" dirty="0"/>
+          </a:p>
+        </p:txBody>
+      </p:sp>
+      <p:sp>
+        <p:nvSpPr>
+          <p:cNvPr id="32" name="직사각형 31">
+            <a:extLst>
+              <a:ext uri="{FF2B5EF4-FFF2-40B4-BE49-F238E27FC236}">
+                <a16:creationId xmlns:a16="http://schemas.microsoft.com/office/drawing/2014/main" id="{2388F914-7DF8-410C-BB50-B4EA486C2634}"/>
+              </a:ext>
+            </a:extLst>
+          </p:cNvPr>
+          <p:cNvSpPr/>
+          <p:nvPr/>
+        </p:nvSpPr>
+        <p:spPr>
+          <a:xfrm>
+            <a:off x="6833958" y="5073292"/>
+            <a:ext cx="2089638" cy="276999"/>
+          </a:xfrm>
+          <a:prstGeom prst="rect">
+            <a:avLst/>
+          </a:prstGeom>
+        </p:spPr>
+        <p:txBody>
+          <a:bodyPr wrap="square">
+            <a:spAutoFit/>
+          </a:bodyPr>
+          <a:lstStyle/>
+          <a:p>
+            <a:pPr fontAlgn="ctr"/>
+            <a:r>
+              <a:rPr lang="en-US" altLang="ko-KR" sz="1200" dirty="0"/>
+              <a:t>2019</a:t>
+            </a:r>
+            <a:endParaRPr lang="ko-KR" altLang="ko-KR" sz="1200" dirty="0"/>
+          </a:p>
+        </p:txBody>
+      </p:sp>
+      <p:sp>
+        <p:nvSpPr>
+          <p:cNvPr id="36" name="직사각형 35">
+            <a:extLst>
+              <a:ext uri="{FF2B5EF4-FFF2-40B4-BE49-F238E27FC236}">
+                <a16:creationId xmlns:a16="http://schemas.microsoft.com/office/drawing/2014/main" id="{F15E46D8-D6D3-428B-8C6C-EDE6070DCF18}"/>
+              </a:ext>
+            </a:extLst>
+          </p:cNvPr>
+          <p:cNvSpPr/>
+          <p:nvPr/>
+        </p:nvSpPr>
+        <p:spPr>
+          <a:xfrm>
+            <a:off x="2238276" y="3550747"/>
+            <a:ext cx="1352165" cy="276999"/>
+          </a:xfrm>
+          <a:prstGeom prst="rect">
+            <a:avLst/>
+          </a:prstGeom>
+        </p:spPr>
+        <p:txBody>
+          <a:bodyPr wrap="none">
+            <a:spAutoFit/>
+          </a:bodyPr>
+          <a:lstStyle/>
+          <a:p>
+            <a:pPr algn="r" fontAlgn="ctr"/>
+            <a:r>
+              <a:rPr lang="en-US" altLang="ko-KR" sz="1200" dirty="0">
+                <a:effectLst>
+                  <a:outerShdw blurRad="38100" dist="38100" dir="2700000" algn="tl">
+                    <a:srgbClr val="000000">
+                      <a:alpha val="43137"/>
+                    </a:srgbClr>
+                  </a:outerShdw>
+                </a:effectLst>
+              </a:rPr>
+              <a:t>TensorFlow 2015</a:t>
+            </a:r>
+            <a:endParaRPr lang="ko-KR" altLang="ko-KR" sz="1200" dirty="0">
+              <a:effectLst>
+                <a:outerShdw blurRad="38100" dist="38100" dir="2700000" algn="tl">
+                  <a:srgbClr val="000000">
+                    <a:alpha val="43137"/>
+                  </a:srgbClr>
+                </a:outerShdw>
+              </a:effectLst>
+            </a:endParaRPr>
+          </a:p>
+        </p:txBody>
+      </p:sp>
+      <p:sp>
+        <p:nvSpPr>
+          <p:cNvPr id="43" name="직사각형 42">
+            <a:extLst>
+              <a:ext uri="{FF2B5EF4-FFF2-40B4-BE49-F238E27FC236}">
+                <a16:creationId xmlns:a16="http://schemas.microsoft.com/office/drawing/2014/main" id="{5B47F0F9-5A22-4381-A238-6C4747582A2D}"/>
+              </a:ext>
+            </a:extLst>
+          </p:cNvPr>
+          <p:cNvSpPr/>
+          <p:nvPr/>
+        </p:nvSpPr>
+        <p:spPr>
+          <a:xfrm>
+            <a:off x="10903341" y="4169402"/>
+            <a:ext cx="595489" cy="276999"/>
+          </a:xfrm>
+          <a:prstGeom prst="rect">
+            <a:avLst/>
+          </a:prstGeom>
+        </p:spPr>
+        <p:txBody>
+          <a:bodyPr wrap="square">
+            <a:spAutoFit/>
+          </a:bodyPr>
+          <a:lstStyle/>
+          <a:p>
+            <a:pPr fontAlgn="ctr"/>
+            <a:r>
+              <a:rPr lang="en-US" altLang="ko-KR" sz="1200" dirty="0"/>
+              <a:t>2021</a:t>
+            </a:r>
+            <a:endParaRPr lang="ko-KR" altLang="ko-KR" sz="1200" dirty="0"/>
+          </a:p>
+        </p:txBody>
+      </p:sp>
+      <p:sp>
+        <p:nvSpPr>
+          <p:cNvPr id="44" name="직사각형 43">
+            <a:extLst>
+              <a:ext uri="{FF2B5EF4-FFF2-40B4-BE49-F238E27FC236}">
+                <a16:creationId xmlns:a16="http://schemas.microsoft.com/office/drawing/2014/main" id="{AC19CD2C-CC17-49C6-9F88-D16CF4F93BD6}"/>
+              </a:ext>
+            </a:extLst>
+          </p:cNvPr>
+          <p:cNvSpPr/>
+          <p:nvPr/>
+        </p:nvSpPr>
+        <p:spPr>
+          <a:xfrm>
+            <a:off x="10980846" y="6025617"/>
+            <a:ext cx="595489" cy="277000"/>
+          </a:xfrm>
+          <a:prstGeom prst="rect">
+            <a:avLst/>
+          </a:prstGeom>
+        </p:spPr>
+        <p:txBody>
+          <a:bodyPr wrap="square">
+            <a:spAutoFit/>
+          </a:bodyPr>
+          <a:lstStyle/>
+          <a:p>
+            <a:pPr fontAlgn="ctr"/>
+            <a:r>
+              <a:rPr lang="en-US" altLang="ko-KR" sz="1200" dirty="0"/>
+              <a:t>2023</a:t>
+            </a:r>
+            <a:endParaRPr lang="ko-KR" altLang="ko-KR" sz="1200" dirty="0"/>
+          </a:p>
+        </p:txBody>
+      </p:sp>
+      <p:sp>
+        <p:nvSpPr>
+          <p:cNvPr id="45" name="직사각형 44">
+            <a:extLst>
+              <a:ext uri="{FF2B5EF4-FFF2-40B4-BE49-F238E27FC236}">
+                <a16:creationId xmlns:a16="http://schemas.microsoft.com/office/drawing/2014/main" id="{1A57F181-8FB9-4176-A058-C6F4E09C78B9}"/>
+              </a:ext>
+            </a:extLst>
+          </p:cNvPr>
+          <p:cNvSpPr/>
+          <p:nvPr/>
+        </p:nvSpPr>
+        <p:spPr>
+          <a:xfrm>
+            <a:off x="6933453" y="6025617"/>
+            <a:ext cx="2089638" cy="276999"/>
+          </a:xfrm>
+          <a:prstGeom prst="rect">
+            <a:avLst/>
+          </a:prstGeom>
+        </p:spPr>
+        <p:txBody>
+          <a:bodyPr wrap="square">
+            <a:spAutoFit/>
+          </a:bodyPr>
+          <a:lstStyle/>
+          <a:p>
+            <a:pPr fontAlgn="ctr"/>
+            <a:r>
+              <a:rPr lang="en-US" altLang="ko-KR" sz="1200" dirty="0"/>
+              <a:t>2018~</a:t>
+            </a:r>
+            <a:endParaRPr lang="ko-KR" altLang="ko-KR" sz="1200" dirty="0"/>
+          </a:p>
+        </p:txBody>
+      </p:sp>
+      <p:cxnSp>
+        <p:nvCxnSpPr>
+          <p:cNvPr id="29" name="직선 화살표 연결선 28">
+            <a:extLst>
+              <a:ext uri="{FF2B5EF4-FFF2-40B4-BE49-F238E27FC236}">
+                <a16:creationId xmlns:a16="http://schemas.microsoft.com/office/drawing/2014/main" id="{E7B1D185-59CB-4F9F-AA9B-D807A7C14FEC}"/>
+              </a:ext>
+            </a:extLst>
+          </p:cNvPr>
+          <p:cNvCxnSpPr>
+            <a:cxnSpLocks/>
+          </p:cNvCxnSpPr>
+          <p:nvPr/>
+        </p:nvCxnSpPr>
+        <p:spPr>
+          <a:xfrm>
+            <a:off x="5144966" y="2145185"/>
+            <a:ext cx="1570339" cy="1283815"/>
+          </a:xfrm>
+          <a:prstGeom prst="straightConnector1">
+            <a:avLst/>
+          </a:prstGeom>
+          <a:ln>
+            <a:gradFill>
+              <a:gsLst>
+                <a:gs pos="41000">
+                  <a:srgbClr val="DAE3F3"/>
+                </a:gs>
+                <a:gs pos="0">
+                  <a:schemeClr val="accent1">
+                    <a:lumMod val="5000"/>
+                    <a:lumOff val="95000"/>
+                  </a:schemeClr>
+                </a:gs>
+                <a:gs pos="74000">
+                  <a:schemeClr val="accent1">
+                    <a:lumMod val="45000"/>
+                    <a:lumOff val="55000"/>
+                  </a:schemeClr>
+                </a:gs>
+                <a:gs pos="83000">
+                  <a:schemeClr val="accent1">
+                    <a:lumMod val="45000"/>
+                    <a:lumOff val="55000"/>
+                  </a:schemeClr>
+                </a:gs>
+                <a:gs pos="100000">
+                  <a:schemeClr val="accent1">
+                    <a:lumMod val="30000"/>
+                    <a:lumOff val="70000"/>
+                  </a:schemeClr>
+                </a:gs>
+              </a:gsLst>
+              <a:lin ang="5400000" scaled="1"/>
+            </a:gradFill>
+            <a:tailEnd type="triangle"/>
+          </a:ln>
+        </p:spPr>
+        <p:style>
+          <a:lnRef idx="1">
+            <a:schemeClr val="accent1"/>
+          </a:lnRef>
+          <a:fillRef idx="0">
+            <a:schemeClr val="accent1"/>
+          </a:fillRef>
+          <a:effectRef idx="0">
+            <a:schemeClr val="accent1"/>
+          </a:effectRef>
+          <a:fontRef idx="minor">
+            <a:schemeClr val="tx1"/>
+          </a:fontRef>
+        </p:style>
+      </p:cxnSp>
+    </p:spTree>
+    <p:extLst>
+      <p:ext uri="{BB962C8B-B14F-4D97-AF65-F5344CB8AC3E}">
+        <p14:creationId xmlns:p14="http://schemas.microsoft.com/office/powerpoint/2010/main" val="4109791516"/>
+      </p:ext>
+    </p:extLst>
+  </p:cSld>
+  <p:clrMapOvr>
+    <a:masterClrMapping/>
+  </p:clrMapOvr>
+</p:sld>
+</file>
+
+<file path=ppt/slides/slide3.xml><?xml version="1.0" encoding="utf-8"?>
+<p:sld xmlns:a="http://schemas.openxmlformats.org/drawingml/2006/main" xmlns:r="http://schemas.openxmlformats.org/officeDocument/2006/relationships" xmlns:p="http://schemas.openxmlformats.org/presentationml/2006/main">
+  <p:cSld>
+    <p:spTree>
+      <p:nvGrpSpPr>
+        <p:cNvPr id="1" name=""/>
+        <p:cNvGrpSpPr/>
+        <p:nvPr/>
+      </p:nvGrpSpPr>
+      <p:grpSpPr>
+        <a:xfrm>
+          <a:off x="0" y="0"/>
+          <a:ext cx="0" cy="0"/>
+          <a:chOff x="0" y="0"/>
+          <a:chExt cx="0" cy="0"/>
+        </a:xfrm>
+      </p:grpSpPr>
+      <p:sp>
+        <p:nvSpPr>
           <p:cNvPr id="2" name="제목 1">
             <a:extLst>
               <a:ext uri="{FF2B5EF4-FFF2-40B4-BE49-F238E27FC236}">
@@ -4540,7 +6117,7 @@
 </p:sld>
 </file>
 
-<file path=ppt/slides/slide3.xml><?xml version="1.0" encoding="utf-8"?>
+<file path=ppt/slides/slide4.xml><?xml version="1.0" encoding="utf-8"?>
 <p:sld xmlns:a="http://schemas.openxmlformats.org/drawingml/2006/main" xmlns:r="http://schemas.openxmlformats.org/officeDocument/2006/relationships" xmlns:p="http://schemas.openxmlformats.org/presentationml/2006/main">
   <p:cSld>
     <p:spTree>
@@ -4617,7 +6194,7 @@
 </p:sld>
 </file>
 
-<file path=ppt/slides/slide4.xml><?xml version="1.0" encoding="utf-8"?>
+<file path=ppt/slides/slide5.xml><?xml version="1.0" encoding="utf-8"?>
 <p:sld xmlns:a="http://schemas.openxmlformats.org/drawingml/2006/main" xmlns:r="http://schemas.openxmlformats.org/officeDocument/2006/relationships" xmlns:p="http://schemas.openxmlformats.org/presentationml/2006/main">
   <p:cSld>
     <p:spTree>
@@ -4816,7 +6393,7 @@
 </p:sld>
 </file>
 
-<file path=ppt/slides/slide5.xml><?xml version="1.0" encoding="utf-8"?>
+<file path=ppt/slides/slide6.xml><?xml version="1.0" encoding="utf-8"?>
 <p:sld xmlns:a="http://schemas.openxmlformats.org/drawingml/2006/main" xmlns:r="http://schemas.openxmlformats.org/officeDocument/2006/relationships" xmlns:p="http://schemas.openxmlformats.org/presentationml/2006/main">
   <p:cSld>
     <p:spTree>
@@ -4943,7 +6520,7 @@
 </p:sld>
 </file>
 
-<file path=ppt/slides/slide6.xml><?xml version="1.0" encoding="utf-8"?>
+<file path=ppt/slides/slide7.xml><?xml version="1.0" encoding="utf-8"?>
 <p:sld xmlns:a="http://schemas.openxmlformats.org/drawingml/2006/main" xmlns:r="http://schemas.openxmlformats.org/officeDocument/2006/relationships" xmlns:p="http://schemas.openxmlformats.org/presentationml/2006/main">
   <p:cSld>
     <p:spTree>
@@ -5020,7 +6597,7 @@
 </p:sld>
 </file>
 
-<file path=ppt/slides/slide7.xml><?xml version="1.0" encoding="utf-8"?>
+<file path=ppt/slides/slide8.xml><?xml version="1.0" encoding="utf-8"?>
 <p:sld xmlns:a="http://schemas.openxmlformats.org/drawingml/2006/main" xmlns:r="http://schemas.openxmlformats.org/officeDocument/2006/relationships" xmlns:p="http://schemas.openxmlformats.org/presentationml/2006/main">
   <p:cSld>
     <p:spTree>
@@ -5147,7 +6724,7 @@
 </p:sld>
 </file>
 
-<file path=ppt/slides/slide8.xml><?xml version="1.0" encoding="utf-8"?>
+<file path=ppt/slides/slide9.xml><?xml version="1.0" encoding="utf-8"?>
 <p:sld xmlns:a="http://schemas.openxmlformats.org/drawingml/2006/main" xmlns:r="http://schemas.openxmlformats.org/officeDocument/2006/relationships" xmlns:p="http://schemas.openxmlformats.org/presentationml/2006/main">
   <p:cSld>
     <p:spTree>
@@ -5422,83 +6999,6 @@
     <p:extLst>
       <p:ext uri="{BB962C8B-B14F-4D97-AF65-F5344CB8AC3E}">
         <p14:creationId xmlns:p14="http://schemas.microsoft.com/office/powerpoint/2010/main" val="3468772435"/>
-      </p:ext>
-    </p:extLst>
-  </p:cSld>
-  <p:clrMapOvr>
-    <a:masterClrMapping/>
-  </p:clrMapOvr>
-</p:sld>
-</file>
-
-<file path=ppt/slides/slide9.xml><?xml version="1.0" encoding="utf-8"?>
-<p:sld xmlns:a="http://schemas.openxmlformats.org/drawingml/2006/main" xmlns:r="http://schemas.openxmlformats.org/officeDocument/2006/relationships" xmlns:p="http://schemas.openxmlformats.org/presentationml/2006/main">
-  <p:cSld>
-    <p:spTree>
-      <p:nvGrpSpPr>
-        <p:cNvPr id="1" name=""/>
-        <p:cNvGrpSpPr/>
-        <p:nvPr/>
-      </p:nvGrpSpPr>
-      <p:grpSpPr>
-        <a:xfrm>
-          <a:off x="0" y="0"/>
-          <a:ext cx="0" cy="0"/>
-          <a:chOff x="0" y="0"/>
-          <a:chExt cx="0" cy="0"/>
-        </a:xfrm>
-      </p:grpSpPr>
-      <p:pic>
-        <p:nvPicPr>
-          <p:cNvPr id="5121" name="Picture 1" descr="Key Components of AI_11zon.webp">
-            <a:extLst>
-              <a:ext uri="{FF2B5EF4-FFF2-40B4-BE49-F238E27FC236}">
-                <a16:creationId xmlns:a16="http://schemas.microsoft.com/office/drawing/2014/main" id="{412F265D-654F-4672-B56A-D70E8C55BD7F}"/>
-              </a:ext>
-            </a:extLst>
-          </p:cNvPr>
-          <p:cNvPicPr>
-            <a:picLocks noChangeAspect="1" noChangeArrowheads="1"/>
-          </p:cNvPicPr>
-          <p:nvPr/>
-        </p:nvPicPr>
-        <p:blipFill>
-          <a:blip r:embed="rId2">
-            <a:extLst>
-              <a:ext uri="{28A0092B-C50C-407E-A947-70E740481C1C}">
-                <a14:useLocalDpi xmlns:a14="http://schemas.microsoft.com/office/drawing/2010/main" val="0"/>
-              </a:ext>
-            </a:extLst>
-          </a:blip>
-          <a:srcRect/>
-          <a:stretch>
-            <a:fillRect/>
-          </a:stretch>
-        </p:blipFill>
-        <p:spPr bwMode="auto">
-          <a:xfrm>
-            <a:off x="2781300" y="0"/>
-            <a:ext cx="6629400" cy="6629400"/>
-          </a:xfrm>
-          <a:prstGeom prst="rect">
-            <a:avLst/>
-          </a:prstGeom>
-          <a:noFill/>
-          <a:extLst>
-            <a:ext uri="{909E8E84-426E-40DD-AFC4-6F175D3DCCD1}">
-              <a14:hiddenFill xmlns:a14="http://schemas.microsoft.com/office/drawing/2010/main">
-                <a:solidFill>
-                  <a:srgbClr val="FFFFFF"/>
-                </a:solidFill>
-              </a14:hiddenFill>
-            </a:ext>
-          </a:extLst>
-        </p:spPr>
-      </p:pic>
-    </p:spTree>
-    <p:extLst>
-      <p:ext uri="{BB962C8B-B14F-4D97-AF65-F5344CB8AC3E}">
-        <p14:creationId xmlns:p14="http://schemas.microsoft.com/office/powerpoint/2010/main" val="4041662135"/>
       </p:ext>
     </p:extLst>
   </p:cSld>
